--- a/docs/diagrams/LogicComponentClassDiagram.pptx
+++ b/docs/diagrams/LogicComponentClassDiagram.pptx
@@ -212,7 +212,7 @@
           <a:p>
             <a:fld id="{F5CC4B3F-88C1-4FFA-B1B6-F41C21DC6924}" type="datetimeFigureOut">
               <a:rPr lang="en-US" smtClean="0"/>
-              <a:t>7/20/17</a:t>
+              <a:t>4/13/18</a:t>
             </a:fld>
             <a:endParaRPr lang="en-US"/>
           </a:p>
@@ -479,6 +479,90 @@
 </p:notesMaster>
 </file>
 
+<file path=ppt/notesSlides/notesSlide1.xml><?xml version="1.0" encoding="utf-8"?>
+<p:notes xmlns:a="http://schemas.openxmlformats.org/drawingml/2006/main" xmlns:r="http://schemas.openxmlformats.org/officeDocument/2006/relationships" xmlns:p="http://schemas.openxmlformats.org/presentationml/2006/main">
+  <p:cSld>
+    <p:spTree>
+      <p:nvGrpSpPr>
+        <p:cNvPr id="1" name=""/>
+        <p:cNvGrpSpPr/>
+        <p:nvPr/>
+      </p:nvGrpSpPr>
+      <p:grpSpPr>
+        <a:xfrm>
+          <a:off x="0" y="0"/>
+          <a:ext cx="0" cy="0"/>
+          <a:chOff x="0" y="0"/>
+          <a:chExt cx="0" cy="0"/>
+        </a:xfrm>
+      </p:grpSpPr>
+      <p:sp>
+        <p:nvSpPr>
+          <p:cNvPr id="2" name="Slide Image Placeholder 1"/>
+          <p:cNvSpPr>
+            <a:spLocks noGrp="1" noRot="1" noChangeAspect="1"/>
+          </p:cNvSpPr>
+          <p:nvPr>
+            <p:ph type="sldImg"/>
+          </p:nvPr>
+        </p:nvSpPr>
+        <p:spPr/>
+      </p:sp>
+      <p:sp>
+        <p:nvSpPr>
+          <p:cNvPr id="3" name="Notes Placeholder 2"/>
+          <p:cNvSpPr>
+            <a:spLocks noGrp="1"/>
+          </p:cNvSpPr>
+          <p:nvPr>
+            <p:ph type="body" idx="1"/>
+          </p:nvPr>
+        </p:nvSpPr>
+        <p:spPr/>
+        <p:txBody>
+          <a:bodyPr/>
+          <a:lstStyle/>
+          <a:p>
+            <a:endParaRPr lang="en-US" dirty="0"/>
+          </a:p>
+        </p:txBody>
+      </p:sp>
+      <p:sp>
+        <p:nvSpPr>
+          <p:cNvPr id="4" name="Slide Number Placeholder 3"/>
+          <p:cNvSpPr>
+            <a:spLocks noGrp="1"/>
+          </p:cNvSpPr>
+          <p:nvPr>
+            <p:ph type="sldNum" sz="quarter" idx="10"/>
+          </p:nvPr>
+        </p:nvSpPr>
+        <p:spPr/>
+        <p:txBody>
+          <a:bodyPr/>
+          <a:lstStyle/>
+          <a:p>
+            <a:fld id="{5A7AB025-77E3-4BD1-A2FD-B3183DBA47A3}" type="slidenum">
+              <a:rPr lang="en-US" smtClean="0"/>
+              <a:t>1</a:t>
+            </a:fld>
+            <a:endParaRPr lang="en-US"/>
+          </a:p>
+        </p:txBody>
+      </p:sp>
+    </p:spTree>
+    <p:extLst>
+      <p:ext uri="{BB962C8B-B14F-4D97-AF65-F5344CB8AC3E}">
+        <p14:creationId xmlns:p14="http://schemas.microsoft.com/office/powerpoint/2010/main" val="735364521"/>
+      </p:ext>
+    </p:extLst>
+  </p:cSld>
+  <p:clrMapOvr>
+    <a:masterClrMapping/>
+  </p:clrMapOvr>
+</p:notes>
+</file>
+
 <file path=ppt/slideLayouts/slideLayout1.xml><?xml version="1.0" encoding="utf-8"?>
 <p:sldLayout xmlns:a="http://schemas.openxmlformats.org/drawingml/2006/main" xmlns:r="http://schemas.openxmlformats.org/officeDocument/2006/relationships" xmlns:p="http://schemas.openxmlformats.org/presentationml/2006/main" type="title" preserve="1">
   <p:cSld name="Title Slide">
@@ -658,7 +742,7 @@
           <a:p>
             <a:fld id="{78C97017-6FC3-485B-9764-EAC9E56C1D49}" type="datetimeFigureOut">
               <a:rPr lang="en-US" smtClean="0"/>
-              <a:t>7/20/17</a:t>
+              <a:t>4/13/18</a:t>
             </a:fld>
             <a:endParaRPr lang="en-US"/>
           </a:p>
@@ -826,7 +910,7 @@
           <a:p>
             <a:fld id="{78C97017-6FC3-485B-9764-EAC9E56C1D49}" type="datetimeFigureOut">
               <a:rPr lang="en-US" smtClean="0"/>
-              <a:t>7/20/17</a:t>
+              <a:t>4/13/18</a:t>
             </a:fld>
             <a:endParaRPr lang="en-US"/>
           </a:p>
@@ -1004,7 +1088,7 @@
           <a:p>
             <a:fld id="{78C97017-6FC3-485B-9764-EAC9E56C1D49}" type="datetimeFigureOut">
               <a:rPr lang="en-US" smtClean="0"/>
-              <a:t>7/20/17</a:t>
+              <a:t>4/13/18</a:t>
             </a:fld>
             <a:endParaRPr lang="en-US"/>
           </a:p>
@@ -1172,7 +1256,7 @@
           <a:p>
             <a:fld id="{78C97017-6FC3-485B-9764-EAC9E56C1D49}" type="datetimeFigureOut">
               <a:rPr lang="en-US" smtClean="0"/>
-              <a:t>7/20/17</a:t>
+              <a:t>4/13/18</a:t>
             </a:fld>
             <a:endParaRPr lang="en-US"/>
           </a:p>
@@ -1417,7 +1501,7 @@
           <a:p>
             <a:fld id="{78C97017-6FC3-485B-9764-EAC9E56C1D49}" type="datetimeFigureOut">
               <a:rPr lang="en-US" smtClean="0"/>
-              <a:t>7/20/17</a:t>
+              <a:t>4/13/18</a:t>
             </a:fld>
             <a:endParaRPr lang="en-US"/>
           </a:p>
@@ -1702,7 +1786,7 @@
           <a:p>
             <a:fld id="{78C97017-6FC3-485B-9764-EAC9E56C1D49}" type="datetimeFigureOut">
               <a:rPr lang="en-US" smtClean="0"/>
-              <a:t>7/20/17</a:t>
+              <a:t>4/13/18</a:t>
             </a:fld>
             <a:endParaRPr lang="en-US"/>
           </a:p>
@@ -2121,7 +2205,7 @@
           <a:p>
             <a:fld id="{78C97017-6FC3-485B-9764-EAC9E56C1D49}" type="datetimeFigureOut">
               <a:rPr lang="en-US" smtClean="0"/>
-              <a:t>7/20/17</a:t>
+              <a:t>4/13/18</a:t>
             </a:fld>
             <a:endParaRPr lang="en-US"/>
           </a:p>
@@ -2238,7 +2322,7 @@
           <a:p>
             <a:fld id="{78C97017-6FC3-485B-9764-EAC9E56C1D49}" type="datetimeFigureOut">
               <a:rPr lang="en-US" smtClean="0"/>
-              <a:t>7/20/17</a:t>
+              <a:t>4/13/18</a:t>
             </a:fld>
             <a:endParaRPr lang="en-US"/>
           </a:p>
@@ -2333,7 +2417,7 @@
           <a:p>
             <a:fld id="{78C97017-6FC3-485B-9764-EAC9E56C1D49}" type="datetimeFigureOut">
               <a:rPr lang="en-US" smtClean="0"/>
-              <a:t>7/20/17</a:t>
+              <a:t>4/13/18</a:t>
             </a:fld>
             <a:endParaRPr lang="en-US"/>
           </a:p>
@@ -2608,7 +2692,7 @@
           <a:p>
             <a:fld id="{78C97017-6FC3-485B-9764-EAC9E56C1D49}" type="datetimeFigureOut">
               <a:rPr lang="en-US" smtClean="0"/>
-              <a:t>7/20/17</a:t>
+              <a:t>4/13/18</a:t>
             </a:fld>
             <a:endParaRPr lang="en-US"/>
           </a:p>
@@ -2860,7 +2944,7 @@
           <a:p>
             <a:fld id="{78C97017-6FC3-485B-9764-EAC9E56C1D49}" type="datetimeFigureOut">
               <a:rPr lang="en-US" smtClean="0"/>
-              <a:t>7/20/17</a:t>
+              <a:t>4/13/18</a:t>
             </a:fld>
             <a:endParaRPr lang="en-US"/>
           </a:p>
@@ -3071,7 +3155,7 @@
           <a:p>
             <a:fld id="{78C97017-6FC3-485B-9764-EAC9E56C1D49}" type="datetimeFigureOut">
               <a:rPr lang="en-US" smtClean="0"/>
-              <a:t>7/20/17</a:t>
+              <a:t>4/13/18</a:t>
             </a:fld>
             <a:endParaRPr lang="en-US"/>
           </a:p>
@@ -3944,7 +4028,7 @@
                   <a:schemeClr val="bg1"/>
                 </a:solidFill>
               </a:rPr>
-              <a:t>AddressBook</a:t>
+              <a:t>InternshipBook</a:t>
             </a:r>
             <a:endParaRPr lang="en-US" sz="1050" dirty="0">
               <a:solidFill>
@@ -5517,7 +5601,7 @@
           <p:cNvPr id="97" name="Rectangle 96">
             <a:extLst>
               <a:ext uri="{FF2B5EF4-FFF2-40B4-BE49-F238E27FC236}">
-                <a16:creationId xmlns="" xmlns:a16="http://schemas.microsoft.com/office/drawing/2014/main" id="{AADE6A0C-89AB-467B-8CEA-5FCF36CE0D21}"/>
+                <a16:creationId xmlns:a16="http://schemas.microsoft.com/office/drawing/2014/main" xmlns="" id="{AADE6A0C-89AB-467B-8CEA-5FCF36CE0D21}"/>
               </a:ext>
             </a:extLst>
           </p:cNvPr>
@@ -6178,15 +6262,26 @@
                   <a:schemeClr val="bg1"/>
                 </a:solidFill>
               </a:rPr>
-              <a:t> = </a:t>
-            </a:r>
+              <a:t> </a:t>
+            </a:r>
+            <a:r>
+              <a:rPr lang="en-US" sz="1050" dirty="0" smtClean="0">
+                <a:solidFill>
+                  <a:schemeClr val="bg1"/>
+                </a:solidFill>
+              </a:rPr>
+              <a:t>=</a:t>
+            </a:r>
+          </a:p>
+          <a:p>
+            <a:pPr algn="ctr"/>
             <a:r>
               <a:rPr lang="en-US" sz="1050" dirty="0" err="1" smtClean="0">
                 <a:solidFill>
                   <a:schemeClr val="bg1"/>
                 </a:solidFill>
               </a:rPr>
-              <a:t>AddCommand</a:t>
+              <a:t>SortCommand</a:t>
             </a:r>
             <a:r>
               <a:rPr lang="en-US" sz="1050" dirty="0" smtClean="0">
